--- a/Debak/Template.pptx
+++ b/Debak/Template.pptx
@@ -173,10 +173,9 @@
           </a:lstStyle>
           <a:p>
             <a:r>
-              <a:rPr lang="en-US"/>
+              <a:rPr lang="en-US" dirty="0"/>
               <a:t>Click to edit Master title style</a:t>
             </a:r>
-            <a:endParaRPr lang="en-US" dirty="0"/>
           </a:p>
         </p:txBody>
       </p:sp>
@@ -280,7 +279,7 @@
           <a:p>
             <a:fld id="{0DEB214F-0245-4DB9-A768-D685510891C9}" type="datetimeFigureOut">
               <a:rPr lang="en-IN" smtClean="0"/>
-              <a:t>23-06-2025</a:t>
+              <a:t>24-06-2025</a:t>
             </a:fld>
             <a:endParaRPr lang="en-IN"/>
           </a:p>
@@ -432,10 +431,9 @@
           <a:lstStyle/>
           <a:p>
             <a:r>
-              <a:rPr lang="en-US"/>
+              <a:rPr lang="en-US" dirty="0"/>
               <a:t>Click to edit Master title style</a:t>
             </a:r>
-            <a:endParaRPr lang="en-US" dirty="0"/>
           </a:p>
         </p:txBody>
       </p:sp>
@@ -508,7 +506,7 @@
           <a:p>
             <a:fld id="{0DEB214F-0245-4DB9-A768-D685510891C9}" type="datetimeFigureOut">
               <a:rPr lang="en-IN" smtClean="0"/>
-              <a:t>23-06-2025</a:t>
+              <a:t>24-06-2025</a:t>
             </a:fld>
             <a:endParaRPr lang="en-IN"/>
           </a:p>
@@ -688,7 +686,7 @@
           <a:p>
             <a:fld id="{0DEB214F-0245-4DB9-A768-D685510891C9}" type="datetimeFigureOut">
               <a:rPr lang="en-IN" smtClean="0"/>
-              <a:t>23-06-2025</a:t>
+              <a:t>24-06-2025</a:t>
             </a:fld>
             <a:endParaRPr lang="en-IN"/>
           </a:p>
@@ -778,14 +776,19 @@
         </p:nvSpPr>
         <p:spPr/>
         <p:txBody>
-          <a:bodyPr/>
-          <a:lstStyle/>
-          <a:p>
-            <a:r>
-              <a:rPr lang="en-US"/>
+          <a:bodyPr>
+            <a:normAutofit/>
+          </a:bodyPr>
+          <a:lstStyle>
+            <a:lvl1pPr>
+              <a:defRPr sz="3200"/>
+            </a:lvl1pPr>
+          </a:lstStyle>
+          <a:p>
+            <a:r>
+              <a:rPr lang="en-US" dirty="0"/>
               <a:t>Click to edit Master title style</a:t>
             </a:r>
-            <a:endParaRPr lang="en-US" dirty="0"/>
           </a:p>
         </p:txBody>
       </p:sp>
@@ -806,38 +809,37 @@
           <a:p>
             <a:pPr lvl="0"/>
             <a:r>
-              <a:rPr lang="en-US"/>
+              <a:rPr lang="en-US" dirty="0"/>
               <a:t>Click to edit Master text styles</a:t>
             </a:r>
           </a:p>
           <a:p>
             <a:pPr lvl="1"/>
             <a:r>
-              <a:rPr lang="en-US"/>
+              <a:rPr lang="en-US" dirty="0"/>
               <a:t>Second level</a:t>
             </a:r>
           </a:p>
           <a:p>
             <a:pPr lvl="2"/>
             <a:r>
-              <a:rPr lang="en-US"/>
+              <a:rPr lang="en-US" dirty="0"/>
               <a:t>Third level</a:t>
             </a:r>
           </a:p>
           <a:p>
             <a:pPr lvl="3"/>
             <a:r>
-              <a:rPr lang="en-US"/>
+              <a:rPr lang="en-US" dirty="0"/>
               <a:t>Fourth level</a:t>
             </a:r>
           </a:p>
           <a:p>
             <a:pPr lvl="4"/>
             <a:r>
-              <a:rPr lang="en-US"/>
+              <a:rPr lang="en-US" dirty="0"/>
               <a:t>Fifth level</a:t>
             </a:r>
-            <a:endParaRPr lang="en-US" dirty="0"/>
           </a:p>
         </p:txBody>
       </p:sp>
@@ -858,7 +860,7 @@
           <a:p>
             <a:fld id="{0DEB214F-0245-4DB9-A768-D685510891C9}" type="datetimeFigureOut">
               <a:rPr lang="en-IN" smtClean="0"/>
-              <a:t>23-06-2025</a:t>
+              <a:t>24-06-2025</a:t>
             </a:fld>
             <a:endParaRPr lang="en-IN"/>
           </a:p>
@@ -961,15 +963,14 @@
               <a:lnSpc>
                 <a:spcPct val="85000"/>
               </a:lnSpc>
-              <a:defRPr sz="7200" b="0"/>
+              <a:defRPr sz="3200" b="0"/>
             </a:lvl1pPr>
           </a:lstStyle>
           <a:p>
             <a:r>
-              <a:rPr lang="en-US"/>
+              <a:rPr lang="en-US" dirty="0"/>
               <a:t>Click to edit Master title style</a:t>
             </a:r>
-            <a:endParaRPr lang="en-US" dirty="0"/>
           </a:p>
         </p:txBody>
       </p:sp>
@@ -1112,7 +1113,7 @@
           <a:p>
             <a:fld id="{0DEB214F-0245-4DB9-A768-D685510891C9}" type="datetimeFigureOut">
               <a:rPr lang="en-IN" smtClean="0"/>
-              <a:t>23-06-2025</a:t>
+              <a:t>24-06-2025</a:t>
             </a:fld>
             <a:endParaRPr lang="en-IN"/>
           </a:p>
@@ -1244,10 +1245,9 @@
           <a:lstStyle/>
           <a:p>
             <a:r>
-              <a:rPr lang="en-US"/>
+              <a:rPr lang="en-US" dirty="0"/>
               <a:t>Click to edit Master title style</a:t>
             </a:r>
-            <a:endParaRPr lang="en-US" dirty="0"/>
           </a:p>
         </p:txBody>
       </p:sp>
@@ -1438,7 +1438,7 @@
           <a:p>
             <a:fld id="{0DEB214F-0245-4DB9-A768-D685510891C9}" type="datetimeFigureOut">
               <a:rPr lang="en-IN" smtClean="0"/>
-              <a:t>23-06-2025</a:t>
+              <a:t>24-06-2025</a:t>
             </a:fld>
             <a:endParaRPr lang="en-IN"/>
           </a:p>
@@ -1532,10 +1532,9 @@
           <a:lstStyle/>
           <a:p>
             <a:r>
-              <a:rPr lang="en-US"/>
+              <a:rPr lang="en-US" dirty="0"/>
               <a:t>Click to edit Master title style</a:t>
             </a:r>
-            <a:endParaRPr lang="en-US" dirty="0"/>
           </a:p>
         </p:txBody>
       </p:sp>
@@ -1889,7 +1888,7 @@
           <a:p>
             <a:fld id="{0DEB214F-0245-4DB9-A768-D685510891C9}" type="datetimeFigureOut">
               <a:rPr lang="en-IN" smtClean="0"/>
-              <a:t>23-06-2025</a:t>
+              <a:t>24-06-2025</a:t>
             </a:fld>
             <a:endParaRPr lang="en-IN"/>
           </a:p>
@@ -1987,10 +1986,9 @@
           <a:lstStyle/>
           <a:p>
             <a:r>
-              <a:rPr lang="en-US"/>
+              <a:rPr lang="en-US" dirty="0"/>
               <a:t>Click to edit Master title style</a:t>
             </a:r>
-            <a:endParaRPr lang="en-US" dirty="0"/>
           </a:p>
         </p:txBody>
       </p:sp>
@@ -2011,7 +2009,7 @@
           <a:p>
             <a:fld id="{0DEB214F-0245-4DB9-A768-D685510891C9}" type="datetimeFigureOut">
               <a:rPr lang="en-IN" smtClean="0"/>
-              <a:t>23-06-2025</a:t>
+              <a:t>24-06-2025</a:t>
             </a:fld>
             <a:endParaRPr lang="en-IN"/>
           </a:p>
@@ -2106,7 +2104,7 @@
           <a:p>
             <a:fld id="{0DEB214F-0245-4DB9-A768-D685510891C9}" type="datetimeFigureOut">
               <a:rPr lang="en-IN" smtClean="0"/>
-              <a:t>23-06-2025</a:t>
+              <a:t>24-06-2025</a:t>
             </a:fld>
             <a:endParaRPr lang="en-IN"/>
           </a:p>
@@ -2211,10 +2209,9 @@
           </a:lstStyle>
           <a:p>
             <a:r>
-              <a:rPr lang="en-US"/>
+              <a:rPr lang="en-US" dirty="0"/>
               <a:t>Click to edit Master title style</a:t>
             </a:r>
-            <a:endParaRPr lang="en-US" dirty="0"/>
           </a:p>
         </p:txBody>
       </p:sp>
@@ -2268,38 +2265,37 @@
           <a:p>
             <a:pPr lvl="0"/>
             <a:r>
-              <a:rPr lang="en-US"/>
+              <a:rPr lang="en-US" dirty="0"/>
               <a:t>Click to edit Master text styles</a:t>
             </a:r>
           </a:p>
           <a:p>
             <a:pPr lvl="1"/>
             <a:r>
-              <a:rPr lang="en-US"/>
+              <a:rPr lang="en-US" dirty="0"/>
               <a:t>Second level</a:t>
             </a:r>
           </a:p>
           <a:p>
             <a:pPr lvl="2"/>
             <a:r>
-              <a:rPr lang="en-US"/>
+              <a:rPr lang="en-US" dirty="0"/>
               <a:t>Third level</a:t>
             </a:r>
           </a:p>
           <a:p>
             <a:pPr lvl="3"/>
             <a:r>
-              <a:rPr lang="en-US"/>
+              <a:rPr lang="en-US" dirty="0"/>
               <a:t>Fourth level</a:t>
             </a:r>
           </a:p>
           <a:p>
             <a:pPr lvl="4"/>
             <a:r>
-              <a:rPr lang="en-US"/>
+              <a:rPr lang="en-US" dirty="0"/>
               <a:t>Fifth level</a:t>
             </a:r>
-            <a:endParaRPr lang="en-US" dirty="0"/>
           </a:p>
         </p:txBody>
       </p:sp>
@@ -2393,7 +2389,7 @@
           <a:p>
             <a:fld id="{0DEB214F-0245-4DB9-A768-D685510891C9}" type="datetimeFigureOut">
               <a:rPr lang="en-IN" smtClean="0"/>
-              <a:t>23-06-2025</a:t>
+              <a:t>24-06-2025</a:t>
             </a:fld>
             <a:endParaRPr lang="en-IN"/>
           </a:p>
@@ -2715,7 +2711,7 @@
           <a:p>
             <a:fld id="{0DEB214F-0245-4DB9-A768-D685510891C9}" type="datetimeFigureOut">
               <a:rPr lang="en-IN" smtClean="0"/>
-              <a:t>23-06-2025</a:t>
+              <a:t>24-06-2025</a:t>
             </a:fld>
             <a:endParaRPr lang="en-IN"/>
           </a:p>
@@ -2864,10 +2860,9 @@
           <a:lstStyle/>
           <a:p>
             <a:r>
-              <a:rPr lang="en-US"/>
+              <a:rPr lang="en-US" dirty="0"/>
               <a:t>Click to edit Master title style</a:t>
             </a:r>
-            <a:endParaRPr lang="en-US" dirty="0"/>
           </a:p>
         </p:txBody>
       </p:sp>
@@ -2898,38 +2893,37 @@
           <a:p>
             <a:pPr lvl="0"/>
             <a:r>
-              <a:rPr lang="en-US"/>
+              <a:rPr lang="en-US" dirty="0"/>
               <a:t>Click to edit Master text styles</a:t>
             </a:r>
           </a:p>
           <a:p>
             <a:pPr lvl="1"/>
             <a:r>
-              <a:rPr lang="en-US"/>
+              <a:rPr lang="en-US" dirty="0"/>
               <a:t>Second level</a:t>
             </a:r>
           </a:p>
           <a:p>
             <a:pPr lvl="2"/>
             <a:r>
-              <a:rPr lang="en-US"/>
+              <a:rPr lang="en-US" dirty="0"/>
               <a:t>Third level</a:t>
             </a:r>
           </a:p>
           <a:p>
             <a:pPr lvl="3"/>
             <a:r>
-              <a:rPr lang="en-US"/>
+              <a:rPr lang="en-US" dirty="0"/>
               <a:t>Fourth level</a:t>
             </a:r>
           </a:p>
           <a:p>
             <a:pPr lvl="4"/>
             <a:r>
-              <a:rPr lang="en-US"/>
+              <a:rPr lang="en-US" dirty="0"/>
               <a:t>Fifth level</a:t>
             </a:r>
-            <a:endParaRPr lang="en-US" dirty="0"/>
           </a:p>
         </p:txBody>
       </p:sp>
@@ -2969,7 +2963,7 @@
           <a:p>
             <a:fld id="{0DEB214F-0245-4DB9-A768-D685510891C9}" type="datetimeFigureOut">
               <a:rPr lang="en-IN" smtClean="0"/>
-              <a:t>23-06-2025</a:t>
+              <a:t>24-06-2025</a:t>
             </a:fld>
             <a:endParaRPr lang="en-IN"/>
           </a:p>
@@ -3092,7 +3086,7 @@
           <a:spcPct val="0"/>
         </a:spcBef>
         <a:buNone/>
-        <a:defRPr sz="4400" kern="1200" spc="-50" baseline="0">
+        <a:defRPr sz="3200" kern="1200" spc="-50" baseline="0">
           <a:solidFill>
             <a:schemeClr val="tx1"/>
           </a:solidFill>
